--- a/system_architecture.pptx
+++ b/system_architecture.pptx
@@ -9497,7 +9497,7 @@
                 </a:solidFill>
                 <a:sym typeface="+mn-ea"/>
               </a:rPr>
-              <a:t>(ticket price)</a:t>
+              <a:t>(order, route, </a:t>
             </a:r>
             <a:endParaRPr lang="en-US" altLang="zh-CN" sz="1400" dirty="0">
               <a:solidFill>
@@ -9506,6 +9506,24 @@
               <a:sym typeface="+mn-ea"/>
             </a:endParaRPr>
           </a:p>
+          <a:p>
+            <a:pPr lvl="0" algn="ctr"/>
+            <a:r>
+              <a:rPr lang="en-US" altLang="zh-CN" sz="1400" dirty="0">
+                <a:solidFill>
+                  <a:schemeClr val="tx1"/>
+                </a:solidFill>
+                <a:sym typeface="+mn-ea"/>
+              </a:rPr>
+              <a:t>station)</a:t>
+            </a:r>
+            <a:endParaRPr lang="en-US" altLang="zh-CN" sz="1400" dirty="0">
+              <a:solidFill>
+                <a:schemeClr val="tx1"/>
+              </a:solidFill>
+              <a:sym typeface="+mn-ea"/>
+            </a:endParaRPr>
+          </a:p>
         </p:txBody>
       </p:sp>
       <p:sp>
@@ -9523,7 +9541,7 @@
             <a:avLst/>
           </a:prstGeom>
           <a:solidFill>
-            <a:srgbClr val="FFC000"/>
+            <a:srgbClr val="00CC00"/>
           </a:solidFill>
           <a:ln w="28575">
             <a:solidFill>
@@ -10659,7 +10677,7 @@
             <a:avLst/>
           </a:prstGeom>
           <a:solidFill>
-            <a:srgbClr val="FFC000"/>
+            <a:srgbClr val="00CC00"/>
           </a:solidFill>
           <a:ln w="28575">
             <a:solidFill>
@@ -10783,7 +10801,7 @@
             <a:avLst/>
           </a:prstGeom>
           <a:solidFill>
-            <a:srgbClr val="FFC000"/>
+            <a:srgbClr val="00CC00"/>
           </a:solidFill>
           <a:ln w="28575">
             <a:solidFill>
@@ -10851,7 +10869,7 @@
             <a:avLst/>
           </a:prstGeom>
           <a:solidFill>
-            <a:srgbClr val="FFC000"/>
+            <a:srgbClr val="00CC00"/>
           </a:solidFill>
           <a:ln w="28575">
             <a:solidFill>
@@ -10991,7 +11009,7 @@
             <a:avLst/>
           </a:prstGeom>
           <a:solidFill>
-            <a:srgbClr val="FFC000"/>
+            <a:srgbClr val="00CC00"/>
           </a:solidFill>
           <a:ln w="28575">
             <a:solidFill>
@@ -11945,7 +11963,7 @@
             <a:avLst/>
           </a:prstGeom>
           <a:solidFill>
-            <a:srgbClr val="FFC000"/>
+            <a:srgbClr val="00CC00"/>
           </a:solidFill>
           <a:ln w="28575">
             <a:solidFill>

--- a/system_architecture.pptx
+++ b/system_architecture.pptx
@@ -9436,7 +9436,7 @@
             <a:avLst/>
           </a:prstGeom>
           <a:solidFill>
-            <a:srgbClr val="FFC000"/>
+            <a:srgbClr val="00B050"/>
           </a:solidFill>
           <a:ln w="28575">
             <a:solidFill>
@@ -10101,7 +10101,7 @@
             <a:avLst/>
           </a:prstGeom>
           <a:solidFill>
-            <a:srgbClr val="FFC000"/>
+            <a:srgbClr val="00B050"/>
           </a:solidFill>
           <a:ln w="28575">
             <a:solidFill>
@@ -10364,7 +10364,7 @@
             <a:avLst/>
           </a:prstGeom>
           <a:solidFill>
-            <a:srgbClr val="FFC000"/>
+            <a:srgbClr val="00B050"/>
           </a:solidFill>
           <a:ln w="28575">
             <a:solidFill>
@@ -10591,7 +10591,7 @@
             <a:avLst/>
           </a:prstGeom>
           <a:solidFill>
-            <a:srgbClr val="FFC000"/>
+            <a:srgbClr val="00B050"/>
           </a:solidFill>
           <a:ln w="28575">
             <a:solidFill>
